--- a/Capstone Project/Movie Recommender.pptx
+++ b/Capstone Project/Movie Recommender.pptx
@@ -17,8 +17,8 @@
     <p:sldId id="271" r:id="rId8"/>
     <p:sldId id="262" r:id="rId9"/>
     <p:sldId id="266" r:id="rId10"/>
-    <p:sldId id="267" r:id="rId11"/>
-    <p:sldId id="274" r:id="rId12"/>
+    <p:sldId id="274" r:id="rId11"/>
+    <p:sldId id="267" r:id="rId12"/>
     <p:sldId id="272" r:id="rId13"/>
     <p:sldId id="273" r:id="rId14"/>
     <p:sldId id="258" r:id="rId15"/>
@@ -4946,66 +4946,6 @@
       </p:grpSpPr>
       <p:sp>
         <p:nvSpPr>
-          <p:cNvPr id="5" name="Title 1"/>
-          <p:cNvSpPr>
-            <a:spLocks noGrp="1"/>
-          </p:cNvSpPr>
-          <p:nvPr>
-            <p:ph type="title"/>
-          </p:nvPr>
-        </p:nvSpPr>
-        <p:spPr>
-          <a:xfrm>
-            <a:off x="1501588" y="2900621"/>
-            <a:ext cx="10771093" cy="694227"/>
-          </a:xfrm>
-        </p:spPr>
-        <p:txBody>
-          <a:bodyPr>
-            <a:normAutofit fontScale="90000"/>
-          </a:bodyPr>
-          <a:lstStyle/>
-          <a:p>
-            <a:r>
-              <a:rPr lang="en-IN" dirty="0"/>
-              <a:t>Few Examples of recommender system</a:t>
-            </a:r>
-            <a:endParaRPr lang="en-US" dirty="0"/>
-          </a:p>
-        </p:txBody>
-      </p:sp>
-    </p:spTree>
-    <p:extLst>
-      <p:ext uri="{BB962C8B-B14F-4D97-AF65-F5344CB8AC3E}">
-        <p14:creationId xmlns:p14="http://schemas.microsoft.com/office/powerpoint/2010/main" val="3610142010"/>
-      </p:ext>
-    </p:extLst>
-  </p:cSld>
-  <p:clrMapOvr>
-    <a:masterClrMapping/>
-  </p:clrMapOvr>
-</p:sld>
-</file>
-
-<file path=ppt/slides/slide11.xml><?xml version="1.0" encoding="utf-8"?>
-<p:sld xmlns:a="http://schemas.openxmlformats.org/drawingml/2006/main" xmlns:r="http://schemas.openxmlformats.org/officeDocument/2006/relationships" xmlns:p="http://schemas.openxmlformats.org/presentationml/2006/main">
-  <p:cSld>
-    <p:spTree>
-      <p:nvGrpSpPr>
-        <p:cNvPr id="1" name=""/>
-        <p:cNvGrpSpPr/>
-        <p:nvPr/>
-      </p:nvGrpSpPr>
-      <p:grpSpPr>
-        <a:xfrm>
-          <a:off x="0" y="0"/>
-          <a:ext cx="0" cy="0"/>
-          <a:chOff x="0" y="0"/>
-          <a:chExt cx="0" cy="0"/>
-        </a:xfrm>
-      </p:grpSpPr>
-      <p:sp>
-        <p:nvSpPr>
           <p:cNvPr id="2" name="Title 1"/>
           <p:cNvSpPr>
             <a:spLocks noGrp="1"/>
@@ -5036,7 +4976,7 @@
           <p:nvPr>
             <p:extLst>
               <p:ext uri="{D42A27DB-BD31-4B8C-83A1-F6EECF244321}">
-                <p14:modId xmlns:p14="http://schemas.microsoft.com/office/powerpoint/2010/main" val="4000559911"/>
+                <p14:modId xmlns:p14="http://schemas.microsoft.com/office/powerpoint/2010/main" val="624045679"/>
               </p:ext>
             </p:extLst>
           </p:nvPr>
@@ -5179,12 +5119,8 @@
                     <a:lstStyle/>
                     <a:p>
                       <a:r>
-                        <a:rPr lang="en-IN" dirty="0" err="1"/>
-                        <a:t>Collabortive</a:t>
-                      </a:r>
-                      <a:r>
                         <a:rPr lang="en-IN" dirty="0"/>
-                        <a:t> Filtering( Sim () )</a:t>
+                        <a:t>Collaborative Filtering( Sim () )</a:t>
                       </a:r>
                       <a:endParaRPr lang="en-US" dirty="0"/>
                     </a:p>
@@ -5219,6 +5155,66 @@
     <p:extLst>
       <p:ext uri="{BB962C8B-B14F-4D97-AF65-F5344CB8AC3E}">
         <p14:creationId xmlns:p14="http://schemas.microsoft.com/office/powerpoint/2010/main" val="2812514019"/>
+      </p:ext>
+    </p:extLst>
+  </p:cSld>
+  <p:clrMapOvr>
+    <a:masterClrMapping/>
+  </p:clrMapOvr>
+</p:sld>
+</file>
+
+<file path=ppt/slides/slide11.xml><?xml version="1.0" encoding="utf-8"?>
+<p:sld xmlns:a="http://schemas.openxmlformats.org/drawingml/2006/main" xmlns:r="http://schemas.openxmlformats.org/officeDocument/2006/relationships" xmlns:p="http://schemas.openxmlformats.org/presentationml/2006/main">
+  <p:cSld>
+    <p:spTree>
+      <p:nvGrpSpPr>
+        <p:cNvPr id="1" name=""/>
+        <p:cNvGrpSpPr/>
+        <p:nvPr/>
+      </p:nvGrpSpPr>
+      <p:grpSpPr>
+        <a:xfrm>
+          <a:off x="0" y="0"/>
+          <a:ext cx="0" cy="0"/>
+          <a:chOff x="0" y="0"/>
+          <a:chExt cx="0" cy="0"/>
+        </a:xfrm>
+      </p:grpSpPr>
+      <p:sp>
+        <p:nvSpPr>
+          <p:cNvPr id="5" name="Title 1"/>
+          <p:cNvSpPr>
+            <a:spLocks noGrp="1"/>
+          </p:cNvSpPr>
+          <p:nvPr>
+            <p:ph type="title"/>
+          </p:nvPr>
+        </p:nvSpPr>
+        <p:spPr>
+          <a:xfrm>
+            <a:off x="1501588" y="2900621"/>
+            <a:ext cx="10771093" cy="694227"/>
+          </a:xfrm>
+        </p:spPr>
+        <p:txBody>
+          <a:bodyPr>
+            <a:normAutofit fontScale="90000"/>
+          </a:bodyPr>
+          <a:lstStyle/>
+          <a:p>
+            <a:r>
+              <a:rPr lang="en-IN" dirty="0"/>
+              <a:t>Few Examples of recommender system</a:t>
+            </a:r>
+            <a:endParaRPr lang="en-US" dirty="0"/>
+          </a:p>
+        </p:txBody>
+      </p:sp>
+    </p:spTree>
+    <p:extLst>
+      <p:ext uri="{BB962C8B-B14F-4D97-AF65-F5344CB8AC3E}">
+        <p14:creationId xmlns:p14="http://schemas.microsoft.com/office/powerpoint/2010/main" val="3610142010"/>
       </p:ext>
     </p:extLst>
   </p:cSld>
